--- a/Documentacao/Slides/diagrama de solucao.pptx
+++ b/Documentacao/Slides/diagrama de solucao.pptx
@@ -27691,7 +27691,7 @@
             </a:pPr>
             <a:r>
               <a:rPr lang="pt-BR" sz="1600" dirty="0"/>
-              <a:t>Diagrama de solução de </a:t>
+              <a:t>Diagrama de solução - </a:t>
             </a:r>
             <a:r>
               <a:rPr lang="pt-BR" sz="1600" dirty="0">
@@ -27815,7 +27815,19 @@
             </a:pPr>
             <a:r>
               <a:rPr lang="pt-BR" sz="1600" dirty="0"/>
-              <a:t>Diagrama de solução Técnica.</a:t>
+              <a:t>Diagrama de solução - </a:t>
+            </a:r>
+            <a:r>
+              <a:rPr lang="pt-BR" sz="1600" dirty="0">
+                <a:solidFill>
+                  <a:schemeClr val="accent1"/>
+                </a:solidFill>
+              </a:rPr>
+              <a:t>Técnica</a:t>
+            </a:r>
+            <a:r>
+              <a:rPr lang="pt-BR" sz="1600" dirty="0"/>
+              <a:t>.</a:t>
             </a:r>
             <a:endParaRPr lang="pt-BR" sz="1600" dirty="0">
               <a:latin typeface="Barlow Semi Condensed"/>
